--- a/Proposal.pptx
+++ b/Proposal.pptx
@@ -6,9 +6,9 @@
   </p:sldMasterIdLst>
   <p:sldIdLst>
     <p:sldId id="256" r:id="rId3"/>
-    <p:sldId id="257" r:id="rId4"/>
-    <p:sldId id="261" r:id="rId5"/>
-    <p:sldId id="258" r:id="rId6"/>
+    <p:sldId id="258" r:id="rId4"/>
+    <p:sldId id="257" r:id="rId5"/>
+    <p:sldId id="261" r:id="rId6"/>
     <p:sldId id="259" r:id="rId7"/>
     <p:sldId id="260" r:id="rId8"/>
     <p:sldId id="262" r:id="rId9"/>
@@ -4750,7 +4750,7 @@
           <a:p>
             <a:r>
               <a:rPr lang="x-none" altLang="en-AU"/>
-              <a:t>Data sources</a:t>
+              <a:t>Target users</a:t>
             </a:r>
             <a:endParaRPr lang="x-none" altLang="en-AU"/>
           </a:p>
@@ -4766,77 +4766,50 @@
             <p:ph idx="1"/>
           </p:nvPr>
         </p:nvSpPr>
-        <p:spPr>
-          <a:xfrm>
-            <a:off x="838200" y="1979295"/>
-            <a:ext cx="10515600" cy="4199255"/>
-          </a:xfrm>
-        </p:spPr>
-        <p:txBody>
-          <a:bodyPr>
-            <a:normAutofit lnSpcReduction="10000"/>
-          </a:bodyPr>
-          <a:p>
-            <a:pPr marL="0" indent="0">
-              <a:buNone/>
-            </a:pPr>
+        <p:spPr/>
+        <p:txBody>
+          <a:bodyPr/>
+          <a:p>
+            <a:endParaRPr lang="en-AU" altLang="en-US"/>
+          </a:p>
+          <a:p>
             <a:r>
               <a:rPr lang="x-none" altLang="en-AU"/>
-              <a:t>This mashup application mainly consists of 2 sources:</a:t>
+              <a:t>Investors who want to purchase properties (</a:t>
+            </a:r>
+            <a:r>
+              <a:rPr lang="x-none" altLang="en-AU">
+                <a:solidFill>
+                  <a:srgbClr val="FF0000"/>
+                </a:solidFill>
+              </a:rPr>
+              <a:t>Investment</a:t>
+            </a:r>
+            <a:r>
+              <a:rPr lang="x-none" altLang="en-AU"/>
+              <a:t>)</a:t>
             </a:r>
             <a:endParaRPr lang="x-none" altLang="en-AU"/>
           </a:p>
           <a:p>
-            <a:pPr marL="457200" indent="-457200">
-              <a:buFont typeface="Arial" panose="02080604020202020204" charset="0"/>
-              <a:buChar char="•"/>
-            </a:pPr>
             <a:endParaRPr lang="x-none" altLang="en-AU"/>
           </a:p>
           <a:p>
-            <a:pPr marL="457200" indent="-457200">
-              <a:buFont typeface="Arial" panose="02080604020202020204" charset="0"/>
-              <a:buChar char="•"/>
-            </a:pPr>
             <a:r>
               <a:rPr lang="x-none" altLang="en-AU"/>
-              <a:t>NSW properties (houses and units) prices between 2006 and 2016</a:t>
-            </a:r>
-            <a:endParaRPr lang="x-none" altLang="en-AU"/>
-          </a:p>
-          <a:p>
-            <a:pPr marL="457200" indent="-457200">
-              <a:buFont typeface="Arial" panose="02080604020202020204" charset="0"/>
-              <a:buChar char="•"/>
-            </a:pPr>
-            <a:endParaRPr lang="x-none" altLang="en-AU"/>
-          </a:p>
-          <a:p>
-            <a:pPr marL="457200" indent="-457200">
-              <a:buFont typeface="Arial" panose="02080604020202020204" charset="0"/>
-              <a:buChar char="•"/>
-            </a:pPr>
+              <a:t>People who are looking for properties to rent (</a:t>
+            </a:r>
+            <a:r>
+              <a:rPr lang="x-none" altLang="en-AU">
+                <a:solidFill>
+                  <a:srgbClr val="FF0000"/>
+                </a:solidFill>
+              </a:rPr>
+              <a:t>Rental</a:t>
+            </a:r>
             <a:r>
               <a:rPr lang="x-none" altLang="en-AU"/>
-              <a:t>NSW properties (houses and units) rents between 2006 and 2016</a:t>
-            </a:r>
-            <a:endParaRPr lang="x-none" altLang="en-AU"/>
-          </a:p>
-          <a:p>
-            <a:pPr marL="457200" indent="-457200">
-              <a:buFont typeface="Arial" panose="02080604020202020204" charset="0"/>
-              <a:buChar char="•"/>
-            </a:pPr>
-            <a:endParaRPr lang="x-none" altLang="en-AU"/>
-          </a:p>
-          <a:p>
-            <a:pPr marL="457200" indent="-457200">
-              <a:buFont typeface="Arial" panose="02080604020202020204" charset="0"/>
-              <a:buChar char="•"/>
-            </a:pPr>
-            <a:r>
-              <a:rPr lang="x-none" altLang="en-AU"/>
-              <a:t>Others: hospitals, public transport, supermarkets, etc</a:t>
+              <a:t>)</a:t>
             </a:r>
             <a:endParaRPr lang="x-none" altLang="en-AU"/>
           </a:p>
@@ -4876,7 +4849,7 @@
           <a:p>
             <a:r>
               <a:rPr lang="x-none" altLang="en-AU"/>
-              <a:t>Model</a:t>
+              <a:t>Data sources</a:t>
             </a:r>
             <a:endParaRPr lang="x-none" altLang="en-AU"/>
           </a:p>
@@ -4894,142 +4867,76 @@
         </p:nvSpPr>
         <p:spPr>
           <a:xfrm>
-            <a:off x="838200" y="2080260"/>
-            <a:ext cx="10515600" cy="4097020"/>
+            <a:off x="838200" y="1979295"/>
+            <a:ext cx="10515600" cy="4199255"/>
           </a:xfrm>
         </p:spPr>
         <p:txBody>
           <a:bodyPr>
-            <a:normAutofit fontScale="90000" lnSpcReduction="20000"/>
+            <a:normAutofit lnSpcReduction="10000"/>
           </a:bodyPr>
           <a:p>
             <a:pPr marL="0" indent="0">
               <a:buNone/>
             </a:pPr>
             <a:r>
-              <a:rPr lang="x-none" altLang="en-AU" u="sng">
-                <a:solidFill>
-                  <a:schemeClr val="accent1">
-                    <a:lumMod val="75000"/>
-                  </a:schemeClr>
-                </a:solidFill>
-              </a:rPr>
-              <a:t>For example</a:t>
-            </a:r>
-            <a:endParaRPr lang="x-none" altLang="en-AU" u="sng">
-              <a:solidFill>
-                <a:schemeClr val="accent1">
-                  <a:lumMod val="75000"/>
-                </a:schemeClr>
-              </a:solidFill>
-            </a:endParaRPr>
-          </a:p>
-          <a:p>
-            <a:pPr marL="0" indent="0">
-              <a:buNone/>
+              <a:rPr lang="x-none" altLang="en-AU"/>
+              <a:t>This mashup application mainly consists of 2 sources:</a:t>
+            </a:r>
+            <a:endParaRPr lang="x-none" altLang="en-AU"/>
+          </a:p>
+          <a:p>
+            <a:pPr marL="457200" indent="-457200">
+              <a:buFont typeface="Arial" panose="02080604020202020204" charset="0"/>
+              <a:buChar char="•"/>
             </a:pPr>
             <a:endParaRPr lang="x-none" altLang="en-AU"/>
           </a:p>
           <a:p>
-            <a:pPr marL="0" indent="0">
-              <a:buNone/>
+            <a:pPr marL="457200" indent="-457200">
+              <a:buFont typeface="Arial" panose="02080604020202020204" charset="0"/>
+              <a:buChar char="•"/>
             </a:pPr>
             <a:r>
               <a:rPr lang="x-none" altLang="en-AU"/>
-              <a:t>'id' : 'Randwick',</a:t>
+              <a:t>NSW properties (houses and units) prices between 2006 and 2016</a:t>
             </a:r>
             <a:endParaRPr lang="x-none" altLang="en-AU"/>
           </a:p>
           <a:p>
-            <a:pPr marL="0" indent="0">
-              <a:buNone/>
+            <a:pPr marL="457200" indent="-457200">
+              <a:buFont typeface="Arial" panose="02080604020202020204" charset="0"/>
+              <a:buChar char="•"/>
             </a:pPr>
+            <a:endParaRPr lang="x-none" altLang="en-AU"/>
+          </a:p>
+          <a:p>
+            <a:pPr marL="457200" indent="-457200">
+              <a:buFont typeface="Arial" panose="02080604020202020204" charset="0"/>
+              <a:buChar char="•"/>
+            </a:pPr>
             <a:r>
               <a:rPr lang="x-none" altLang="en-AU"/>
-              <a:t>'houses' : ['attribute_1' : '...',</a:t>
+              <a:t>NSW properties (houses and units) rents between 2006 and 2016</a:t>
             </a:r>
             <a:endParaRPr lang="x-none" altLang="en-AU"/>
           </a:p>
           <a:p>
-            <a:pPr marL="0" indent="0">
-              <a:buNone/>
+            <a:pPr marL="457200" indent="-457200">
+              <a:buFont typeface="Arial" panose="02080604020202020204" charset="0"/>
+              <a:buChar char="•"/>
             </a:pPr>
+            <a:endParaRPr lang="x-none" altLang="en-AU"/>
+          </a:p>
+          <a:p>
+            <a:pPr marL="457200" indent="-457200">
+              <a:buFont typeface="Arial" panose="02080604020202020204" charset="0"/>
+              <a:buChar char="•"/>
+            </a:pPr>
             <a:r>
               <a:rPr lang="x-none" altLang="en-AU"/>
-              <a:t>	         'attribute_2' : '...',</a:t>
-            </a:r>
-            <a:endParaRPr lang="x-none" altLang="en-AU"/>
-          </a:p>
-          <a:p>
-            <a:pPr marL="0" indent="0">
-              <a:buNone/>
-            </a:pPr>
-            <a:r>
-              <a:rPr lang="x-none" altLang="en-AU"/>
-              <a:t>		...],</a:t>
-            </a:r>
-            <a:endParaRPr lang="x-none" altLang="en-AU"/>
-          </a:p>
-          <a:p>
-            <a:pPr marL="0" indent="0">
-              <a:buNone/>
-            </a:pPr>
-            <a:r>
-              <a:rPr lang="x-none" altLang="en-AU"/>
-              <a:t>'units' : [</a:t>
-            </a:r>
-            <a:r>
-              <a:rPr lang="x-none" altLang="en-AU">
-                <a:sym typeface="+mn-ea"/>
-              </a:rPr>
-              <a:t>'attribute_1' : '...',</a:t>
-            </a:r>
-            <a:endParaRPr lang="x-none" altLang="en-AU"/>
-          </a:p>
-          <a:p>
-            <a:pPr marL="0" indent="0">
-              <a:buNone/>
-            </a:pPr>
-            <a:r>
-              <a:rPr lang="x-none" altLang="en-AU">
-                <a:sym typeface="+mn-ea"/>
-              </a:rPr>
-              <a:t>	      'attribute_2' : '...',</a:t>
-            </a:r>
-            <a:endParaRPr lang="x-none" altLang="en-AU"/>
-          </a:p>
-          <a:p>
-            <a:pPr marL="0" indent="0">
-              <a:buNone/>
-            </a:pPr>
-            <a:r>
-              <a:rPr lang="x-none" altLang="en-AU">
-                <a:sym typeface="+mn-ea"/>
-              </a:rPr>
-              <a:t>	     ...],</a:t>
-            </a:r>
-            <a:endParaRPr lang="x-none" altLang="en-AU">
-              <a:sym typeface="+mn-ea"/>
-            </a:endParaRPr>
-          </a:p>
-          <a:p>
-            <a:pPr marL="0" indent="0">
-              <a:buNone/>
-            </a:pPr>
-            <a:r>
-              <a:rPr lang="x-none" altLang="en-AU">
-                <a:sym typeface="+mn-ea"/>
-              </a:rPr>
-              <a:t>...</a:t>
-            </a:r>
-            <a:endParaRPr lang="x-none" altLang="en-AU">
-              <a:sym typeface="+mn-ea"/>
-            </a:endParaRPr>
-          </a:p>
-          <a:p>
-            <a:pPr marL="0" indent="0">
-              <a:buNone/>
-            </a:pPr>
+              <a:t>Others: hospitals, public transport, supermarkets, etc</a:t>
+            </a:r>
             <a:endParaRPr lang="x-none" altLang="en-AU"/>
           </a:p>
         </p:txBody>
@@ -5068,7 +4975,7 @@
           <a:p>
             <a:r>
               <a:rPr lang="x-none" altLang="en-AU"/>
-              <a:t>Target users</a:t>
+              <a:t>Model</a:t>
             </a:r>
             <a:endParaRPr lang="x-none" altLang="en-AU"/>
           </a:p>
@@ -5084,51 +4991,144 @@
             <p:ph idx="1"/>
           </p:nvPr>
         </p:nvSpPr>
-        <p:spPr/>
-        <p:txBody>
-          <a:bodyPr/>
-          <a:p>
-            <a:endParaRPr lang="en-AU" altLang="en-US"/>
-          </a:p>
-          <a:p>
-            <a:r>
-              <a:rPr lang="x-none" altLang="en-AU"/>
-              <a:t>Investors who want to purchase properties (</a:t>
-            </a:r>
-            <a:r>
-              <a:rPr lang="x-none" altLang="en-AU">
+        <p:spPr>
+          <a:xfrm>
+            <a:off x="838200" y="2080260"/>
+            <a:ext cx="10515600" cy="4097020"/>
+          </a:xfrm>
+        </p:spPr>
+        <p:txBody>
+          <a:bodyPr>
+            <a:normAutofit fontScale="90000" lnSpcReduction="20000"/>
+          </a:bodyPr>
+          <a:p>
+            <a:pPr marL="0" indent="0">
+              <a:buNone/>
+            </a:pPr>
+            <a:r>
+              <a:rPr lang="x-none" altLang="en-AU" u="sng">
                 <a:solidFill>
-                  <a:srgbClr val="FF0000"/>
+                  <a:schemeClr val="accent1">
+                    <a:lumMod val="75000"/>
+                  </a:schemeClr>
                 </a:solidFill>
               </a:rPr>
-              <a:t>Investment</a:t>
-            </a:r>
+              <a:t>For example</a:t>
+            </a:r>
+            <a:endParaRPr lang="x-none" altLang="en-AU" u="sng">
+              <a:solidFill>
+                <a:schemeClr val="accent1">
+                  <a:lumMod val="75000"/>
+                </a:schemeClr>
+              </a:solidFill>
+            </a:endParaRPr>
+          </a:p>
+          <a:p>
+            <a:pPr marL="0" indent="0">
+              <a:buNone/>
+            </a:pPr>
+            <a:endParaRPr lang="x-none" altLang="en-AU"/>
+          </a:p>
+          <a:p>
+            <a:pPr marL="0" indent="0">
+              <a:buNone/>
+            </a:pPr>
             <a:r>
               <a:rPr lang="x-none" altLang="en-AU"/>
-              <a:t>)</a:t>
+              <a:t>'id' : 'Randwick',</a:t>
             </a:r>
             <a:endParaRPr lang="x-none" altLang="en-AU"/>
           </a:p>
           <a:p>
+            <a:pPr marL="0" indent="0">
+              <a:buNone/>
+            </a:pPr>
+            <a:r>
+              <a:rPr lang="x-none" altLang="en-AU"/>
+              <a:t>'houses' : ['attribute_1' : '...',</a:t>
+            </a:r>
             <a:endParaRPr lang="x-none" altLang="en-AU"/>
           </a:p>
           <a:p>
+            <a:pPr marL="0" indent="0">
+              <a:buNone/>
+            </a:pPr>
             <a:r>
               <a:rPr lang="x-none" altLang="en-AU"/>
-              <a:t>People who are looking for properties to rent (</a:t>
+              <a:t>	         'attribute_2' : '...',</a:t>
+            </a:r>
+            <a:endParaRPr lang="x-none" altLang="en-AU"/>
+          </a:p>
+          <a:p>
+            <a:pPr marL="0" indent="0">
+              <a:buNone/>
+            </a:pPr>
+            <a:r>
+              <a:rPr lang="x-none" altLang="en-AU"/>
+              <a:t>		...],</a:t>
+            </a:r>
+            <a:endParaRPr lang="x-none" altLang="en-AU"/>
+          </a:p>
+          <a:p>
+            <a:pPr marL="0" indent="0">
+              <a:buNone/>
+            </a:pPr>
+            <a:r>
+              <a:rPr lang="x-none" altLang="en-AU"/>
+              <a:t>'units' : [</a:t>
             </a:r>
             <a:r>
               <a:rPr lang="x-none" altLang="en-AU">
-                <a:solidFill>
-                  <a:srgbClr val="FF0000"/>
-                </a:solidFill>
+                <a:sym typeface="+mn-ea"/>
               </a:rPr>
-              <a:t>Rental</a:t>
-            </a:r>
-            <a:r>
-              <a:rPr lang="x-none" altLang="en-AU"/>
-              <a:t>)</a:t>
-            </a:r>
+              <a:t>'attribute_1' : '...',</a:t>
+            </a:r>
+            <a:endParaRPr lang="x-none" altLang="en-AU"/>
+          </a:p>
+          <a:p>
+            <a:pPr marL="0" indent="0">
+              <a:buNone/>
+            </a:pPr>
+            <a:r>
+              <a:rPr lang="x-none" altLang="en-AU">
+                <a:sym typeface="+mn-ea"/>
+              </a:rPr>
+              <a:t>	      'attribute_2' : '...',</a:t>
+            </a:r>
+            <a:endParaRPr lang="x-none" altLang="en-AU"/>
+          </a:p>
+          <a:p>
+            <a:pPr marL="0" indent="0">
+              <a:buNone/>
+            </a:pPr>
+            <a:r>
+              <a:rPr lang="x-none" altLang="en-AU">
+                <a:sym typeface="+mn-ea"/>
+              </a:rPr>
+              <a:t>	     ...],</a:t>
+            </a:r>
+            <a:endParaRPr lang="x-none" altLang="en-AU">
+              <a:sym typeface="+mn-ea"/>
+            </a:endParaRPr>
+          </a:p>
+          <a:p>
+            <a:pPr marL="0" indent="0">
+              <a:buNone/>
+            </a:pPr>
+            <a:r>
+              <a:rPr lang="x-none" altLang="en-AU">
+                <a:sym typeface="+mn-ea"/>
+              </a:rPr>
+              <a:t>...</a:t>
+            </a:r>
+            <a:endParaRPr lang="x-none" altLang="en-AU">
+              <a:sym typeface="+mn-ea"/>
+            </a:endParaRPr>
+          </a:p>
+          <a:p>
+            <a:pPr marL="0" indent="0">
+              <a:buNone/>
+            </a:pPr>
             <a:endParaRPr lang="x-none" altLang="en-AU"/>
           </a:p>
         </p:txBody>
